--- a/doc/Laravel 모듈 개발 - 1차.pptx
+++ b/doc/Laravel 모듈 개발 - 1차.pptx
@@ -8,6 +8,7 @@
     <p:sldId id="256" r:id="rId2"/>
     <p:sldId id="257" r:id="rId3"/>
     <p:sldId id="258" r:id="rId4"/>
+    <p:sldId id="259" r:id="rId5"/>
   </p:sldIdLst>
   <p:sldSz cx="12192000" cy="6858000"/>
   <p:notesSz cx="6858000" cy="9144000"/>
@@ -261,7 +262,7 @@
           <a:p>
             <a:fld id="{2AE83F40-30CF-4985-BD4F-EDD8204F892D}" type="datetimeFigureOut">
               <a:rPr lang="ko-KR" altLang="en-US" smtClean="0"/>
-              <a:t>2021-03-23</a:t>
+              <a:t>2021-03-24</a:t>
             </a:fld>
             <a:endParaRPr lang="ko-KR" altLang="en-US"/>
           </a:p>
@@ -459,7 +460,7 @@
           <a:p>
             <a:fld id="{2AE83F40-30CF-4985-BD4F-EDD8204F892D}" type="datetimeFigureOut">
               <a:rPr lang="ko-KR" altLang="en-US" smtClean="0"/>
-              <a:t>2021-03-23</a:t>
+              <a:t>2021-03-24</a:t>
             </a:fld>
             <a:endParaRPr lang="ko-KR" altLang="en-US"/>
           </a:p>
@@ -667,7 +668,7 @@
           <a:p>
             <a:fld id="{2AE83F40-30CF-4985-BD4F-EDD8204F892D}" type="datetimeFigureOut">
               <a:rPr lang="ko-KR" altLang="en-US" smtClean="0"/>
-              <a:t>2021-03-23</a:t>
+              <a:t>2021-03-24</a:t>
             </a:fld>
             <a:endParaRPr lang="ko-KR" altLang="en-US"/>
           </a:p>
@@ -865,7 +866,7 @@
           <a:p>
             <a:fld id="{2AE83F40-30CF-4985-BD4F-EDD8204F892D}" type="datetimeFigureOut">
               <a:rPr lang="ko-KR" altLang="en-US" smtClean="0"/>
-              <a:t>2021-03-23</a:t>
+              <a:t>2021-03-24</a:t>
             </a:fld>
             <a:endParaRPr lang="ko-KR" altLang="en-US"/>
           </a:p>
@@ -1140,7 +1141,7 @@
           <a:p>
             <a:fld id="{2AE83F40-30CF-4985-BD4F-EDD8204F892D}" type="datetimeFigureOut">
               <a:rPr lang="ko-KR" altLang="en-US" smtClean="0"/>
-              <a:t>2021-03-23</a:t>
+              <a:t>2021-03-24</a:t>
             </a:fld>
             <a:endParaRPr lang="ko-KR" altLang="en-US"/>
           </a:p>
@@ -1405,7 +1406,7 @@
           <a:p>
             <a:fld id="{2AE83F40-30CF-4985-BD4F-EDD8204F892D}" type="datetimeFigureOut">
               <a:rPr lang="ko-KR" altLang="en-US" smtClean="0"/>
-              <a:t>2021-03-23</a:t>
+              <a:t>2021-03-24</a:t>
             </a:fld>
             <a:endParaRPr lang="ko-KR" altLang="en-US"/>
           </a:p>
@@ -1817,7 +1818,7 @@
           <a:p>
             <a:fld id="{2AE83F40-30CF-4985-BD4F-EDD8204F892D}" type="datetimeFigureOut">
               <a:rPr lang="ko-KR" altLang="en-US" smtClean="0"/>
-              <a:t>2021-03-23</a:t>
+              <a:t>2021-03-24</a:t>
             </a:fld>
             <a:endParaRPr lang="ko-KR" altLang="en-US"/>
           </a:p>
@@ -1958,7 +1959,7 @@
           <a:p>
             <a:fld id="{2AE83F40-30CF-4985-BD4F-EDD8204F892D}" type="datetimeFigureOut">
               <a:rPr lang="ko-KR" altLang="en-US" smtClean="0"/>
-              <a:t>2021-03-23</a:t>
+              <a:t>2021-03-24</a:t>
             </a:fld>
             <a:endParaRPr lang="ko-KR" altLang="en-US"/>
           </a:p>
@@ -2071,7 +2072,7 @@
           <a:p>
             <a:fld id="{2AE83F40-30CF-4985-BD4F-EDD8204F892D}" type="datetimeFigureOut">
               <a:rPr lang="ko-KR" altLang="en-US" smtClean="0"/>
-              <a:t>2021-03-23</a:t>
+              <a:t>2021-03-24</a:t>
             </a:fld>
             <a:endParaRPr lang="ko-KR" altLang="en-US"/>
           </a:p>
@@ -2382,7 +2383,7 @@
           <a:p>
             <a:fld id="{2AE83F40-30CF-4985-BD4F-EDD8204F892D}" type="datetimeFigureOut">
               <a:rPr lang="ko-KR" altLang="en-US" smtClean="0"/>
-              <a:t>2021-03-23</a:t>
+              <a:t>2021-03-24</a:t>
             </a:fld>
             <a:endParaRPr lang="ko-KR" altLang="en-US"/>
           </a:p>
@@ -2670,7 +2671,7 @@
           <a:p>
             <a:fld id="{2AE83F40-30CF-4985-BD4F-EDD8204F892D}" type="datetimeFigureOut">
               <a:rPr lang="ko-KR" altLang="en-US" smtClean="0"/>
-              <a:t>2021-03-23</a:t>
+              <a:t>2021-03-24</a:t>
             </a:fld>
             <a:endParaRPr lang="ko-KR" altLang="en-US"/>
           </a:p>
@@ -2911,7 +2912,7 @@
           <a:p>
             <a:fld id="{2AE83F40-30CF-4985-BD4F-EDD8204F892D}" type="datetimeFigureOut">
               <a:rPr lang="ko-KR" altLang="en-US" smtClean="0"/>
-              <a:t>2021-03-23</a:t>
+              <a:t>2021-03-24</a:t>
             </a:fld>
             <a:endParaRPr lang="ko-KR" altLang="en-US"/>
           </a:p>
@@ -3342,8 +3343,8 @@
         </p:nvSpPr>
         <p:spPr>
           <a:xfrm>
-            <a:off x="4083590" y="2512291"/>
-            <a:ext cx="4024821" cy="523220"/>
+            <a:off x="3406324" y="2512291"/>
+            <a:ext cx="5379358" cy="523220"/>
           </a:xfrm>
           <a:prstGeom prst="rect">
             <a:avLst/>
@@ -3367,11 +3368,11 @@
             </a:r>
             <a:r>
               <a:rPr lang="en-US" altLang="ko-KR" sz="2800" b="1" dirty="0"/>
-              <a:t>(1</a:t>
+              <a:t>(</a:t>
             </a:r>
             <a:r>
               <a:rPr lang="ko-KR" altLang="en-US" sz="2800" b="1" dirty="0"/>
-              <a:t>차</a:t>
+              <a:t>사용자 모듈</a:t>
             </a:r>
             <a:r>
               <a:rPr lang="en-US" altLang="ko-KR" sz="2800" b="1" dirty="0"/>
@@ -3706,6 +3707,276 @@
           <a:chExt cx="0" cy="0"/>
         </a:xfrm>
       </p:grpSpPr>
+      <p:sp>
+        <p:nvSpPr>
+          <p:cNvPr id="4" name="TextBox 3">
+            <a:extLst>
+              <a:ext uri="{FF2B5EF4-FFF2-40B4-BE49-F238E27FC236}">
+                <a16:creationId xmlns:a16="http://schemas.microsoft.com/office/drawing/2014/main" id="{8B77ADBA-5059-4A32-895A-39F1CD458DD7}"/>
+              </a:ext>
+            </a:extLst>
+          </p:cNvPr>
+          <p:cNvSpPr txBox="1"/>
+          <p:nvPr/>
+        </p:nvSpPr>
+        <p:spPr>
+          <a:xfrm>
+            <a:off x="546496" y="958425"/>
+            <a:ext cx="8494761" cy="369332"/>
+          </a:xfrm>
+          <a:prstGeom prst="rect">
+            <a:avLst/>
+          </a:prstGeom>
+          <a:noFill/>
+        </p:spPr>
+        <p:txBody>
+          <a:bodyPr wrap="none" rtlCol="0">
+            <a:spAutoFit/>
+          </a:bodyPr>
+          <a:lstStyle/>
+          <a:p>
+            <a:pPr marL="285750" indent="-285750">
+              <a:buFont typeface="Arial" panose="020B0604020202020204" pitchFamily="34" charset="0"/>
+              <a:buChar char="•"/>
+            </a:pPr>
+            <a:r>
+              <a:rPr lang="en-US" altLang="ko-KR" dirty="0"/>
+              <a:t>Laravel </a:t>
+            </a:r>
+            <a:r>
+              <a:rPr lang="ko-KR" altLang="en-US" dirty="0"/>
+              <a:t>공식 패키지인 </a:t>
+            </a:r>
+            <a:r>
+              <a:rPr lang="en-US" altLang="ko-KR" dirty="0"/>
+              <a:t>Jetstream(</a:t>
+            </a:r>
+            <a:r>
+              <a:rPr lang="en-US" altLang="ko-KR" dirty="0" err="1"/>
+              <a:t>sanctum+fortify</a:t>
+            </a:r>
+            <a:r>
+              <a:rPr lang="en-US" altLang="ko-KR" dirty="0"/>
+              <a:t>)</a:t>
+            </a:r>
+            <a:r>
+              <a:rPr lang="ko-KR" altLang="en-US" dirty="0"/>
+              <a:t>에 내장된 인증 시스템 사용</a:t>
+            </a:r>
+          </a:p>
+        </p:txBody>
+      </p:sp>
+      <p:sp>
+        <p:nvSpPr>
+          <p:cNvPr id="5" name="TextBox 4">
+            <a:extLst>
+              <a:ext uri="{FF2B5EF4-FFF2-40B4-BE49-F238E27FC236}">
+                <a16:creationId xmlns:a16="http://schemas.microsoft.com/office/drawing/2014/main" id="{7BB3082B-E9CC-48AB-8F69-5AFCA22C86F9}"/>
+              </a:ext>
+            </a:extLst>
+          </p:cNvPr>
+          <p:cNvSpPr txBox="1"/>
+          <p:nvPr/>
+        </p:nvSpPr>
+        <p:spPr>
+          <a:xfrm>
+            <a:off x="189988" y="214139"/>
+            <a:ext cx="2582758" cy="461665"/>
+          </a:xfrm>
+          <a:prstGeom prst="rect">
+            <a:avLst/>
+          </a:prstGeom>
+          <a:noFill/>
+        </p:spPr>
+        <p:txBody>
+          <a:bodyPr wrap="none" rtlCol="0">
+            <a:spAutoFit/>
+          </a:bodyPr>
+          <a:lstStyle/>
+          <a:p>
+            <a:r>
+              <a:rPr lang="ko-KR" altLang="en-US" sz="2400" b="1" dirty="0"/>
+              <a:t>사용자 인증</a:t>
+            </a:r>
+            <a:r>
+              <a:rPr lang="en-US" altLang="ko-KR" sz="2400" b="1" dirty="0"/>
+              <a:t>/</a:t>
+            </a:r>
+            <a:r>
+              <a:rPr lang="ko-KR" altLang="en-US" sz="2400" b="1" dirty="0"/>
+              <a:t>권한</a:t>
+            </a:r>
+          </a:p>
+        </p:txBody>
+      </p:sp>
+      <p:sp>
+        <p:nvSpPr>
+          <p:cNvPr id="7" name="TextBox 6">
+            <a:extLst>
+              <a:ext uri="{FF2B5EF4-FFF2-40B4-BE49-F238E27FC236}">
+                <a16:creationId xmlns:a16="http://schemas.microsoft.com/office/drawing/2014/main" id="{A55DC207-3897-4A7D-A0B3-00416C88E172}"/>
+              </a:ext>
+            </a:extLst>
+          </p:cNvPr>
+          <p:cNvSpPr txBox="1"/>
+          <p:nvPr/>
+        </p:nvSpPr>
+        <p:spPr>
+          <a:xfrm>
+            <a:off x="546496" y="5899575"/>
+            <a:ext cx="2771913" cy="584775"/>
+          </a:xfrm>
+          <a:prstGeom prst="rect">
+            <a:avLst/>
+          </a:prstGeom>
+          <a:noFill/>
+        </p:spPr>
+        <p:txBody>
+          <a:bodyPr wrap="none" rtlCol="0">
+            <a:spAutoFit/>
+          </a:bodyPr>
+          <a:lstStyle/>
+          <a:p>
+            <a:pPr marL="285750" indent="-285750">
+              <a:buFont typeface="Wingdings" panose="05000000000000000000" pitchFamily="2" charset="2"/>
+              <a:buChar char="ü"/>
+            </a:pPr>
+            <a:r>
+              <a:rPr lang="en-US" altLang="ko-KR" sz="1600" dirty="0">
+                <a:solidFill>
+                  <a:srgbClr val="FF0000"/>
+                </a:solidFill>
+              </a:rPr>
+              <a:t>Sanctum : </a:t>
+            </a:r>
+            <a:r>
+              <a:rPr lang="ko-KR" altLang="en-US" sz="1600" dirty="0">
+                <a:solidFill>
+                  <a:srgbClr val="FF0000"/>
+                </a:solidFill>
+              </a:rPr>
+              <a:t>토큰기반 인증</a:t>
+            </a:r>
+            <a:endParaRPr lang="en-US" altLang="ko-KR" sz="1600" dirty="0">
+              <a:solidFill>
+                <a:srgbClr val="FF0000"/>
+              </a:solidFill>
+            </a:endParaRPr>
+          </a:p>
+          <a:p>
+            <a:pPr marL="285750" indent="-285750">
+              <a:buFont typeface="Wingdings" panose="05000000000000000000" pitchFamily="2" charset="2"/>
+              <a:buChar char="ü"/>
+            </a:pPr>
+            <a:r>
+              <a:rPr lang="en-US" altLang="ko-KR" sz="1600" dirty="0">
+                <a:solidFill>
+                  <a:srgbClr val="FF0000"/>
+                </a:solidFill>
+              </a:rPr>
+              <a:t>Fortify : </a:t>
+            </a:r>
+            <a:r>
+              <a:rPr lang="ko-KR" altLang="en-US" sz="1600" dirty="0">
+                <a:solidFill>
+                  <a:srgbClr val="FF0000"/>
+                </a:solidFill>
+              </a:rPr>
+              <a:t>세션기반 인증</a:t>
+            </a:r>
+          </a:p>
+        </p:txBody>
+      </p:sp>
+      <p:pic>
+        <p:nvPicPr>
+          <p:cNvPr id="10" name="그림 9">
+            <a:extLst>
+              <a:ext uri="{FF2B5EF4-FFF2-40B4-BE49-F238E27FC236}">
+                <a16:creationId xmlns:a16="http://schemas.microsoft.com/office/drawing/2014/main" id="{5B132162-D306-428F-9F2E-02480B5964C5}"/>
+              </a:ext>
+            </a:extLst>
+          </p:cNvPr>
+          <p:cNvPicPr>
+            <a:picLocks noChangeAspect="1"/>
+          </p:cNvPicPr>
+          <p:nvPr/>
+        </p:nvPicPr>
+        <p:blipFill>
+          <a:blip r:embed="rId2"/>
+          <a:stretch>
+            <a:fillRect/>
+          </a:stretch>
+        </p:blipFill>
+        <p:spPr>
+          <a:xfrm>
+            <a:off x="4248974" y="2271790"/>
+            <a:ext cx="3204772" cy="2683751"/>
+          </a:xfrm>
+          <a:prstGeom prst="rect">
+            <a:avLst/>
+          </a:prstGeom>
+        </p:spPr>
+      </p:pic>
+      <p:pic>
+        <p:nvPicPr>
+          <p:cNvPr id="12" name="그림 11">
+            <a:extLst>
+              <a:ext uri="{FF2B5EF4-FFF2-40B4-BE49-F238E27FC236}">
+                <a16:creationId xmlns:a16="http://schemas.microsoft.com/office/drawing/2014/main" id="{4AC0D6A5-3B88-49CE-9396-9924DAAD4FFA}"/>
+              </a:ext>
+            </a:extLst>
+          </p:cNvPr>
+          <p:cNvPicPr>
+            <a:picLocks noChangeAspect="1"/>
+          </p:cNvPicPr>
+          <p:nvPr/>
+        </p:nvPicPr>
+        <p:blipFill>
+          <a:blip r:embed="rId3"/>
+          <a:stretch>
+            <a:fillRect/>
+          </a:stretch>
+        </p:blipFill>
+        <p:spPr>
+          <a:xfrm>
+            <a:off x="7924984" y="2271790"/>
+            <a:ext cx="3380142" cy="3651618"/>
+          </a:xfrm>
+          <a:prstGeom prst="rect">
+            <a:avLst/>
+          </a:prstGeom>
+        </p:spPr>
+      </p:pic>
+    </p:spTree>
+    <p:extLst>
+      <p:ext uri="{BB962C8B-B14F-4D97-AF65-F5344CB8AC3E}">
+        <p14:creationId xmlns:p14="http://schemas.microsoft.com/office/powerpoint/2010/main" val="1728580226"/>
+      </p:ext>
+    </p:extLst>
+  </p:cSld>
+  <p:clrMapOvr>
+    <a:masterClrMapping/>
+  </p:clrMapOvr>
+</p:sld>
+</file>
+
+<file path=ppt/slides/slide4.xml><?xml version="1.0" encoding="utf-8"?>
+<p:sld xmlns:a="http://schemas.openxmlformats.org/drawingml/2006/main" xmlns:r="http://schemas.openxmlformats.org/officeDocument/2006/relationships" xmlns:p="http://schemas.openxmlformats.org/presentationml/2006/main">
+  <p:cSld>
+    <p:spTree>
+      <p:nvGrpSpPr>
+        <p:cNvPr id="1" name=""/>
+        <p:cNvGrpSpPr/>
+        <p:nvPr/>
+      </p:nvGrpSpPr>
+      <p:grpSpPr>
+        <a:xfrm>
+          <a:off x="0" y="0"/>
+          <a:ext cx="0" cy="0"/>
+          <a:chOff x="0" y="0"/>
+          <a:chExt cx="0" cy="0"/>
+        </a:xfrm>
+      </p:grpSpPr>
       <p:pic>
         <p:nvPicPr>
           <p:cNvPr id="6" name="Picture 4">
@@ -3735,7 +4006,7 @@
         </p:blipFill>
         <p:spPr bwMode="auto">
           <a:xfrm>
-            <a:off x="885962" y="408862"/>
+            <a:off x="387198" y="381153"/>
             <a:ext cx="5210038" cy="4401127"/>
           </a:xfrm>
           <a:prstGeom prst="rect">
@@ -3753,10 +4024,151 @@
           </a:extLst>
         </p:spPr>
       </p:pic>
+      <p:sp>
+        <p:nvSpPr>
+          <p:cNvPr id="3" name="TextBox 2">
+            <a:extLst>
+              <a:ext uri="{FF2B5EF4-FFF2-40B4-BE49-F238E27FC236}">
+                <a16:creationId xmlns:a16="http://schemas.microsoft.com/office/drawing/2014/main" id="{C13E3CFE-2DC2-43FD-81BF-3C82DB638FC4}"/>
+              </a:ext>
+            </a:extLst>
+          </p:cNvPr>
+          <p:cNvSpPr txBox="1"/>
+          <p:nvPr/>
+        </p:nvSpPr>
+        <p:spPr>
+          <a:xfrm>
+            <a:off x="5819938" y="381153"/>
+            <a:ext cx="2366032" cy="369332"/>
+          </a:xfrm>
+          <a:prstGeom prst="rect">
+            <a:avLst/>
+          </a:prstGeom>
+          <a:noFill/>
+        </p:spPr>
+        <p:txBody>
+          <a:bodyPr wrap="none" rtlCol="0">
+            <a:spAutoFit/>
+          </a:bodyPr>
+          <a:lstStyle/>
+          <a:p>
+            <a:pPr marL="285750" indent="-285750">
+              <a:buFont typeface="Arial" panose="020B0604020202020204" pitchFamily="34" charset="0"/>
+              <a:buChar char="•"/>
+            </a:pPr>
+            <a:r>
+              <a:rPr lang="en-US" altLang="ko-KR" dirty="0"/>
+              <a:t>Gate</a:t>
+            </a:r>
+            <a:r>
+              <a:rPr lang="ko-KR" altLang="en-US" dirty="0"/>
+              <a:t> </a:t>
+            </a:r>
+            <a:r>
+              <a:rPr lang="en-US" altLang="ko-KR" dirty="0"/>
+              <a:t>/</a:t>
+            </a:r>
+            <a:r>
+              <a:rPr lang="ko-KR" altLang="en-US" dirty="0"/>
+              <a:t> </a:t>
+            </a:r>
+            <a:r>
+              <a:rPr lang="en-US" altLang="ko-KR" dirty="0"/>
+              <a:t>policy</a:t>
+            </a:r>
+            <a:r>
+              <a:rPr lang="ko-KR" altLang="en-US" dirty="0"/>
+              <a:t> 사용</a:t>
+            </a:r>
+          </a:p>
+        </p:txBody>
+      </p:sp>
+      <p:sp>
+        <p:nvSpPr>
+          <p:cNvPr id="4" name="TextBox 3">
+            <a:extLst>
+              <a:ext uri="{FF2B5EF4-FFF2-40B4-BE49-F238E27FC236}">
+                <a16:creationId xmlns:a16="http://schemas.microsoft.com/office/drawing/2014/main" id="{8B77ADBA-5059-4A32-895A-39F1CD458DD7}"/>
+              </a:ext>
+            </a:extLst>
+          </p:cNvPr>
+          <p:cNvSpPr txBox="1"/>
+          <p:nvPr/>
+        </p:nvSpPr>
+        <p:spPr>
+          <a:xfrm>
+            <a:off x="5819938" y="1706571"/>
+            <a:ext cx="934871" cy="369332"/>
+          </a:xfrm>
+          <a:prstGeom prst="rect">
+            <a:avLst/>
+          </a:prstGeom>
+          <a:noFill/>
+        </p:spPr>
+        <p:txBody>
+          <a:bodyPr wrap="none" rtlCol="0">
+            <a:spAutoFit/>
+          </a:bodyPr>
+          <a:lstStyle/>
+          <a:p>
+            <a:pPr marL="285750" indent="-285750">
+              <a:buFont typeface="Arial" panose="020B0604020202020204" pitchFamily="34" charset="0"/>
+              <a:buChar char="•"/>
+            </a:pPr>
+            <a:r>
+              <a:rPr lang="ko-KR" altLang="en-US" dirty="0"/>
+              <a:t>인증</a:t>
+            </a:r>
+          </a:p>
+        </p:txBody>
+      </p:sp>
+      <p:sp>
+        <p:nvSpPr>
+          <p:cNvPr id="5" name="TextBox 4">
+            <a:extLst>
+              <a:ext uri="{FF2B5EF4-FFF2-40B4-BE49-F238E27FC236}">
+                <a16:creationId xmlns:a16="http://schemas.microsoft.com/office/drawing/2014/main" id="{7BB3082B-E9CC-48AB-8F69-5AFCA22C86F9}"/>
+              </a:ext>
+            </a:extLst>
+          </p:cNvPr>
+          <p:cNvSpPr txBox="1"/>
+          <p:nvPr/>
+        </p:nvSpPr>
+        <p:spPr>
+          <a:xfrm>
+            <a:off x="189988" y="214139"/>
+            <a:ext cx="2582758" cy="461665"/>
+          </a:xfrm>
+          <a:prstGeom prst="rect">
+            <a:avLst/>
+          </a:prstGeom>
+          <a:noFill/>
+        </p:spPr>
+        <p:txBody>
+          <a:bodyPr wrap="none" rtlCol="0">
+            <a:spAutoFit/>
+          </a:bodyPr>
+          <a:lstStyle/>
+          <a:p>
+            <a:r>
+              <a:rPr lang="ko-KR" altLang="en-US" sz="2400" b="1" dirty="0"/>
+              <a:t>사용자 인증</a:t>
+            </a:r>
+            <a:r>
+              <a:rPr lang="en-US" altLang="ko-KR" sz="2400" b="1" dirty="0"/>
+              <a:t>/</a:t>
+            </a:r>
+            <a:r>
+              <a:rPr lang="ko-KR" altLang="en-US" sz="2400" b="1" dirty="0"/>
+              <a:t>권한</a:t>
+            </a:r>
+          </a:p>
+        </p:txBody>
+      </p:sp>
     </p:spTree>
     <p:extLst>
       <p:ext uri="{BB962C8B-B14F-4D97-AF65-F5344CB8AC3E}">
-        <p14:creationId xmlns:p14="http://schemas.microsoft.com/office/powerpoint/2010/main" val="1728580226"/>
+        <p14:creationId xmlns:p14="http://schemas.microsoft.com/office/powerpoint/2010/main" val="2414208181"/>
       </p:ext>
     </p:extLst>
   </p:cSld>

--- a/doc/Laravel 모듈 개발 - 1차.pptx
+++ b/doc/Laravel 모듈 개발 - 1차.pptx
@@ -8,7 +8,10 @@
     <p:sldId id="256" r:id="rId2"/>
     <p:sldId id="257" r:id="rId3"/>
     <p:sldId id="258" r:id="rId4"/>
-    <p:sldId id="259" r:id="rId5"/>
+    <p:sldId id="262" r:id="rId5"/>
+    <p:sldId id="260" r:id="rId6"/>
+    <p:sldId id="259" r:id="rId7"/>
+    <p:sldId id="261" r:id="rId8"/>
   </p:sldIdLst>
   <p:sldSz cx="12192000" cy="6858000"/>
   <p:notesSz cx="6858000" cy="9144000"/>
@@ -262,7 +265,7 @@
           <a:p>
             <a:fld id="{2AE83F40-30CF-4985-BD4F-EDD8204F892D}" type="datetimeFigureOut">
               <a:rPr lang="ko-KR" altLang="en-US" smtClean="0"/>
-              <a:t>2021-03-24</a:t>
+              <a:t>2021-03-25</a:t>
             </a:fld>
             <a:endParaRPr lang="ko-KR" altLang="en-US"/>
           </a:p>
@@ -460,7 +463,7 @@
           <a:p>
             <a:fld id="{2AE83F40-30CF-4985-BD4F-EDD8204F892D}" type="datetimeFigureOut">
               <a:rPr lang="ko-KR" altLang="en-US" smtClean="0"/>
-              <a:t>2021-03-24</a:t>
+              <a:t>2021-03-25</a:t>
             </a:fld>
             <a:endParaRPr lang="ko-KR" altLang="en-US"/>
           </a:p>
@@ -668,7 +671,7 @@
           <a:p>
             <a:fld id="{2AE83F40-30CF-4985-BD4F-EDD8204F892D}" type="datetimeFigureOut">
               <a:rPr lang="ko-KR" altLang="en-US" smtClean="0"/>
-              <a:t>2021-03-24</a:t>
+              <a:t>2021-03-25</a:t>
             </a:fld>
             <a:endParaRPr lang="ko-KR" altLang="en-US"/>
           </a:p>
@@ -866,7 +869,7 @@
           <a:p>
             <a:fld id="{2AE83F40-30CF-4985-BD4F-EDD8204F892D}" type="datetimeFigureOut">
               <a:rPr lang="ko-KR" altLang="en-US" smtClean="0"/>
-              <a:t>2021-03-24</a:t>
+              <a:t>2021-03-25</a:t>
             </a:fld>
             <a:endParaRPr lang="ko-KR" altLang="en-US"/>
           </a:p>
@@ -1141,7 +1144,7 @@
           <a:p>
             <a:fld id="{2AE83F40-30CF-4985-BD4F-EDD8204F892D}" type="datetimeFigureOut">
               <a:rPr lang="ko-KR" altLang="en-US" smtClean="0"/>
-              <a:t>2021-03-24</a:t>
+              <a:t>2021-03-25</a:t>
             </a:fld>
             <a:endParaRPr lang="ko-KR" altLang="en-US"/>
           </a:p>
@@ -1406,7 +1409,7 @@
           <a:p>
             <a:fld id="{2AE83F40-30CF-4985-BD4F-EDD8204F892D}" type="datetimeFigureOut">
               <a:rPr lang="ko-KR" altLang="en-US" smtClean="0"/>
-              <a:t>2021-03-24</a:t>
+              <a:t>2021-03-25</a:t>
             </a:fld>
             <a:endParaRPr lang="ko-KR" altLang="en-US"/>
           </a:p>
@@ -1818,7 +1821,7 @@
           <a:p>
             <a:fld id="{2AE83F40-30CF-4985-BD4F-EDD8204F892D}" type="datetimeFigureOut">
               <a:rPr lang="ko-KR" altLang="en-US" smtClean="0"/>
-              <a:t>2021-03-24</a:t>
+              <a:t>2021-03-25</a:t>
             </a:fld>
             <a:endParaRPr lang="ko-KR" altLang="en-US"/>
           </a:p>
@@ -1959,7 +1962,7 @@
           <a:p>
             <a:fld id="{2AE83F40-30CF-4985-BD4F-EDD8204F892D}" type="datetimeFigureOut">
               <a:rPr lang="ko-KR" altLang="en-US" smtClean="0"/>
-              <a:t>2021-03-24</a:t>
+              <a:t>2021-03-25</a:t>
             </a:fld>
             <a:endParaRPr lang="ko-KR" altLang="en-US"/>
           </a:p>
@@ -2072,7 +2075,7 @@
           <a:p>
             <a:fld id="{2AE83F40-30CF-4985-BD4F-EDD8204F892D}" type="datetimeFigureOut">
               <a:rPr lang="ko-KR" altLang="en-US" smtClean="0"/>
-              <a:t>2021-03-24</a:t>
+              <a:t>2021-03-25</a:t>
             </a:fld>
             <a:endParaRPr lang="ko-KR" altLang="en-US"/>
           </a:p>
@@ -2383,7 +2386,7 @@
           <a:p>
             <a:fld id="{2AE83F40-30CF-4985-BD4F-EDD8204F892D}" type="datetimeFigureOut">
               <a:rPr lang="ko-KR" altLang="en-US" smtClean="0"/>
-              <a:t>2021-03-24</a:t>
+              <a:t>2021-03-25</a:t>
             </a:fld>
             <a:endParaRPr lang="ko-KR" altLang="en-US"/>
           </a:p>
@@ -2671,7 +2674,7 @@
           <a:p>
             <a:fld id="{2AE83F40-30CF-4985-BD4F-EDD8204F892D}" type="datetimeFigureOut">
               <a:rPr lang="ko-KR" altLang="en-US" smtClean="0"/>
-              <a:t>2021-03-24</a:t>
+              <a:t>2021-03-25</a:t>
             </a:fld>
             <a:endParaRPr lang="ko-KR" altLang="en-US"/>
           </a:p>
@@ -2912,7 +2915,7 @@
           <a:p>
             <a:fld id="{2AE83F40-30CF-4985-BD4F-EDD8204F892D}" type="datetimeFigureOut">
               <a:rPr lang="ko-KR" altLang="en-US" smtClean="0"/>
-              <a:t>2021-03-24</a:t>
+              <a:t>2021-03-25</a:t>
             </a:fld>
             <a:endParaRPr lang="ko-KR" altLang="en-US"/>
           </a:p>
@@ -3617,7 +3620,7 @@
         <p:spPr>
           <a:xfrm>
             <a:off x="629102" y="1653027"/>
-            <a:ext cx="1396536" cy="369332"/>
+            <a:ext cx="2334293" cy="369332"/>
           </a:xfrm>
           <a:prstGeom prst="rect">
             <a:avLst/>
@@ -3636,7 +3639,7 @@
             </a:pPr>
             <a:r>
               <a:rPr lang="ko-KR" altLang="en-US" dirty="0"/>
-              <a:t>인증절차</a:t>
+              <a:t>인증 및 권한 절차</a:t>
             </a:r>
           </a:p>
         </p:txBody>
@@ -3781,7 +3784,7 @@
         <p:spPr>
           <a:xfrm>
             <a:off x="189988" y="214139"/>
-            <a:ext cx="2582758" cy="461665"/>
+            <a:ext cx="1832553" cy="461665"/>
           </a:xfrm>
           <a:prstGeom prst="rect">
             <a:avLst/>
@@ -3797,14 +3800,6 @@
             <a:r>
               <a:rPr lang="ko-KR" altLang="en-US" sz="2400" b="1" dirty="0"/>
               <a:t>사용자 인증</a:t>
-            </a:r>
-            <a:r>
-              <a:rPr lang="en-US" altLang="ko-KR" sz="2400" b="1" dirty="0"/>
-              <a:t>/</a:t>
-            </a:r>
-            <a:r>
-              <a:rPr lang="ko-KR" altLang="en-US" sz="2400" b="1" dirty="0"/>
-              <a:t>권한</a:t>
             </a:r>
           </a:p>
         </p:txBody>
@@ -3909,12 +3904,19 @@
         </p:blipFill>
         <p:spPr>
           <a:xfrm>
-            <a:off x="4248974" y="2271790"/>
+            <a:off x="1626149" y="1930399"/>
             <a:ext cx="3204772" cy="2683751"/>
           </a:xfrm>
           <a:prstGeom prst="rect">
             <a:avLst/>
           </a:prstGeom>
+          <a:ln>
+            <a:solidFill>
+              <a:schemeClr val="bg1">
+                <a:lumMod val="75000"/>
+              </a:schemeClr>
+            </a:solidFill>
+          </a:ln>
         </p:spPr>
       </p:pic>
       <p:pic>
@@ -3939,14 +3941,99 @@
         </p:blipFill>
         <p:spPr>
           <a:xfrm>
-            <a:off x="7924984" y="2271790"/>
+            <a:off x="6701705" y="1904999"/>
             <a:ext cx="3380142" cy="3651618"/>
           </a:xfrm>
           <a:prstGeom prst="rect">
             <a:avLst/>
           </a:prstGeom>
+          <a:ln>
+            <a:solidFill>
+              <a:schemeClr val="bg1">
+                <a:lumMod val="75000"/>
+              </a:schemeClr>
+            </a:solidFill>
+          </a:ln>
         </p:spPr>
       </p:pic>
+      <p:sp>
+        <p:nvSpPr>
+          <p:cNvPr id="9" name="TextBox 8">
+            <a:extLst>
+              <a:ext uri="{FF2B5EF4-FFF2-40B4-BE49-F238E27FC236}">
+                <a16:creationId xmlns:a16="http://schemas.microsoft.com/office/drawing/2014/main" id="{0C6A147E-AC92-4232-B0DE-A08CA2902D9C}"/>
+              </a:ext>
+            </a:extLst>
+          </p:cNvPr>
+          <p:cNvSpPr txBox="1"/>
+          <p:nvPr/>
+        </p:nvSpPr>
+        <p:spPr>
+          <a:xfrm>
+            <a:off x="2306829" y="4927601"/>
+            <a:ext cx="1709122" cy="369332"/>
+          </a:xfrm>
+          <a:prstGeom prst="rect">
+            <a:avLst/>
+          </a:prstGeom>
+          <a:noFill/>
+        </p:spPr>
+        <p:txBody>
+          <a:bodyPr wrap="none" rtlCol="0">
+            <a:spAutoFit/>
+          </a:bodyPr>
+          <a:lstStyle/>
+          <a:p>
+            <a:pPr marL="285750" indent="-285750">
+              <a:buFont typeface="Wingdings" panose="05000000000000000000" pitchFamily="2" charset="2"/>
+              <a:buChar char="Ø"/>
+            </a:pPr>
+            <a:r>
+              <a:rPr lang="ko-KR" altLang="en-US" dirty="0"/>
+              <a:t>로그인 화면</a:t>
+            </a:r>
+          </a:p>
+        </p:txBody>
+      </p:sp>
+      <p:sp>
+        <p:nvSpPr>
+          <p:cNvPr id="11" name="TextBox 10">
+            <a:extLst>
+              <a:ext uri="{FF2B5EF4-FFF2-40B4-BE49-F238E27FC236}">
+                <a16:creationId xmlns:a16="http://schemas.microsoft.com/office/drawing/2014/main" id="{3E19D8D1-D8BA-4FDE-B1B8-9FB913CDDA06}"/>
+              </a:ext>
+            </a:extLst>
+          </p:cNvPr>
+          <p:cNvSpPr txBox="1"/>
+          <p:nvPr/>
+        </p:nvSpPr>
+        <p:spPr>
+          <a:xfrm>
+            <a:off x="7537215" y="5946546"/>
+            <a:ext cx="1939955" cy="369332"/>
+          </a:xfrm>
+          <a:prstGeom prst="rect">
+            <a:avLst/>
+          </a:prstGeom>
+          <a:noFill/>
+        </p:spPr>
+        <p:txBody>
+          <a:bodyPr wrap="none" rtlCol="0">
+            <a:spAutoFit/>
+          </a:bodyPr>
+          <a:lstStyle/>
+          <a:p>
+            <a:pPr marL="285750" indent="-285750">
+              <a:buFont typeface="Wingdings" panose="05000000000000000000" pitchFamily="2" charset="2"/>
+              <a:buChar char="Ø"/>
+            </a:pPr>
+            <a:r>
+              <a:rPr lang="ko-KR" altLang="en-US" dirty="0"/>
+              <a:t>회원가입 화면</a:t>
+            </a:r>
+          </a:p>
+        </p:txBody>
+      </p:sp>
     </p:spTree>
     <p:extLst>
       <p:ext uri="{BB962C8B-B14F-4D97-AF65-F5344CB8AC3E}">
@@ -3977,59 +4064,236 @@
           <a:chExt cx="0" cy="0"/>
         </a:xfrm>
       </p:grpSpPr>
+      <p:sp>
+        <p:nvSpPr>
+          <p:cNvPr id="5" name="TextBox 4">
+            <a:extLst>
+              <a:ext uri="{FF2B5EF4-FFF2-40B4-BE49-F238E27FC236}">
+                <a16:creationId xmlns:a16="http://schemas.microsoft.com/office/drawing/2014/main" id="{7BB3082B-E9CC-48AB-8F69-5AFCA22C86F9}"/>
+              </a:ext>
+            </a:extLst>
+          </p:cNvPr>
+          <p:cNvSpPr txBox="1"/>
+          <p:nvPr/>
+        </p:nvSpPr>
+        <p:spPr>
+          <a:xfrm>
+            <a:off x="189988" y="214139"/>
+            <a:ext cx="1832553" cy="461665"/>
+          </a:xfrm>
+          <a:prstGeom prst="rect">
+            <a:avLst/>
+          </a:prstGeom>
+          <a:noFill/>
+        </p:spPr>
+        <p:txBody>
+          <a:bodyPr wrap="none" rtlCol="0">
+            <a:spAutoFit/>
+          </a:bodyPr>
+          <a:lstStyle/>
+          <a:p>
+            <a:r>
+              <a:rPr lang="ko-KR" altLang="en-US" sz="2400" b="1" dirty="0"/>
+              <a:t>사용자 인증</a:t>
+            </a:r>
+          </a:p>
+        </p:txBody>
+      </p:sp>
+      <p:sp>
+        <p:nvSpPr>
+          <p:cNvPr id="9" name="TextBox 8">
+            <a:extLst>
+              <a:ext uri="{FF2B5EF4-FFF2-40B4-BE49-F238E27FC236}">
+                <a16:creationId xmlns:a16="http://schemas.microsoft.com/office/drawing/2014/main" id="{0C6A147E-AC92-4232-B0DE-A08CA2902D9C}"/>
+              </a:ext>
+            </a:extLst>
+          </p:cNvPr>
+          <p:cNvSpPr txBox="1"/>
+          <p:nvPr/>
+        </p:nvSpPr>
+        <p:spPr>
+          <a:xfrm>
+            <a:off x="1253884" y="3318984"/>
+            <a:ext cx="1709122" cy="369332"/>
+          </a:xfrm>
+          <a:prstGeom prst="rect">
+            <a:avLst/>
+          </a:prstGeom>
+          <a:noFill/>
+        </p:spPr>
+        <p:txBody>
+          <a:bodyPr wrap="none" rtlCol="0">
+            <a:spAutoFit/>
+          </a:bodyPr>
+          <a:lstStyle/>
+          <a:p>
+            <a:pPr marL="285750" indent="-285750">
+              <a:buFont typeface="Wingdings" panose="05000000000000000000" pitchFamily="2" charset="2"/>
+              <a:buChar char="Ø"/>
+            </a:pPr>
+            <a:r>
+              <a:rPr lang="ko-KR" altLang="en-US" dirty="0"/>
+              <a:t>사용자 메뉴</a:t>
+            </a:r>
+          </a:p>
+        </p:txBody>
+      </p:sp>
       <p:pic>
         <p:nvPicPr>
-          <p:cNvPr id="6" name="Picture 4">
-            <a:extLst>
-              <a:ext uri="{FF2B5EF4-FFF2-40B4-BE49-F238E27FC236}">
-                <a16:creationId xmlns:a16="http://schemas.microsoft.com/office/drawing/2014/main" id="{8288EC7E-28FC-4483-8498-65A7E1CFADBD}"/>
+          <p:cNvPr id="3" name="그림 2">
+            <a:extLst>
+              <a:ext uri="{FF2B5EF4-FFF2-40B4-BE49-F238E27FC236}">
+                <a16:creationId xmlns:a16="http://schemas.microsoft.com/office/drawing/2014/main" id="{9DA07E36-9F52-4BFB-B40B-6B159B1E57B0}"/>
               </a:ext>
             </a:extLst>
           </p:cNvPr>
           <p:cNvPicPr>
-            <a:picLocks noChangeAspect="1" noChangeArrowheads="1"/>
+            <a:picLocks noChangeAspect="1"/>
           </p:cNvPicPr>
           <p:nvPr/>
         </p:nvPicPr>
         <p:blipFill>
-          <a:blip r:embed="rId2">
-            <a:extLst>
-              <a:ext uri="{28A0092B-C50C-407E-A947-70E740481C1C}">
-                <a14:useLocalDpi xmlns:a14="http://schemas.microsoft.com/office/drawing/2010/main" val="0"/>
-              </a:ext>
-            </a:extLst>
-          </a:blip>
-          <a:srcRect/>
+          <a:blip r:embed="rId2"/>
           <a:stretch>
             <a:fillRect/>
           </a:stretch>
         </p:blipFill>
-        <p:spPr bwMode="auto">
-          <a:xfrm>
-            <a:off x="387198" y="381153"/>
-            <a:ext cx="5210038" cy="4401127"/>
+        <p:spPr>
+          <a:xfrm>
+            <a:off x="687169" y="1156196"/>
+            <a:ext cx="3040643" cy="1867062"/>
+          </a:xfrm>
+          <a:prstGeom prst="rect">
+            <a:avLst/>
+          </a:prstGeom>
+          <a:ln>
+            <a:solidFill>
+              <a:schemeClr val="bg1">
+                <a:lumMod val="75000"/>
+              </a:schemeClr>
+            </a:solidFill>
+          </a:ln>
+        </p:spPr>
+      </p:pic>
+      <p:pic>
+        <p:nvPicPr>
+          <p:cNvPr id="8" name="그림 7">
+            <a:extLst>
+              <a:ext uri="{FF2B5EF4-FFF2-40B4-BE49-F238E27FC236}">
+                <a16:creationId xmlns:a16="http://schemas.microsoft.com/office/drawing/2014/main" id="{048DB656-3241-4E29-A651-78B67BA3B943}"/>
+              </a:ext>
+            </a:extLst>
+          </p:cNvPr>
+          <p:cNvPicPr>
+            <a:picLocks noChangeAspect="1"/>
+          </p:cNvPicPr>
+          <p:nvPr/>
+        </p:nvPicPr>
+        <p:blipFill>
+          <a:blip r:embed="rId3"/>
+          <a:stretch>
+            <a:fillRect/>
+          </a:stretch>
+        </p:blipFill>
+        <p:spPr>
+          <a:xfrm>
+            <a:off x="7633974" y="312385"/>
+            <a:ext cx="4136467" cy="4271818"/>
+          </a:xfrm>
+          <a:prstGeom prst="rect">
+            <a:avLst/>
+          </a:prstGeom>
+          <a:ln>
+            <a:solidFill>
+              <a:schemeClr val="bg1">
+                <a:lumMod val="75000"/>
+              </a:schemeClr>
+            </a:solidFill>
+          </a:ln>
+        </p:spPr>
+      </p:pic>
+      <p:pic>
+        <p:nvPicPr>
+          <p:cNvPr id="14" name="그림 13">
+            <a:extLst>
+              <a:ext uri="{FF2B5EF4-FFF2-40B4-BE49-F238E27FC236}">
+                <a16:creationId xmlns:a16="http://schemas.microsoft.com/office/drawing/2014/main" id="{5E478CCD-42C2-463D-B551-AC59D84F760B}"/>
+              </a:ext>
+            </a:extLst>
+          </p:cNvPr>
+          <p:cNvPicPr>
+            <a:picLocks noChangeAspect="1"/>
+          </p:cNvPicPr>
+          <p:nvPr/>
+        </p:nvPicPr>
+        <p:blipFill>
+          <a:blip r:embed="rId4"/>
+          <a:stretch>
+            <a:fillRect/>
+          </a:stretch>
+        </p:blipFill>
+        <p:spPr>
+          <a:xfrm>
+            <a:off x="7633974" y="4695040"/>
+            <a:ext cx="4136467" cy="2018833"/>
+          </a:xfrm>
+          <a:prstGeom prst="rect">
+            <a:avLst/>
+          </a:prstGeom>
+          <a:ln>
+            <a:solidFill>
+              <a:schemeClr val="bg1">
+                <a:lumMod val="75000"/>
+              </a:schemeClr>
+            </a:solidFill>
+          </a:ln>
+        </p:spPr>
+      </p:pic>
+      <p:sp>
+        <p:nvSpPr>
+          <p:cNvPr id="15" name="TextBox 14">
+            <a:extLst>
+              <a:ext uri="{FF2B5EF4-FFF2-40B4-BE49-F238E27FC236}">
+                <a16:creationId xmlns:a16="http://schemas.microsoft.com/office/drawing/2014/main" id="{7A99A3BD-D083-4E07-8C47-E95EB6F3B45F}"/>
+              </a:ext>
+            </a:extLst>
+          </p:cNvPr>
+          <p:cNvSpPr txBox="1"/>
+          <p:nvPr/>
+        </p:nvSpPr>
+        <p:spPr>
+          <a:xfrm>
+            <a:off x="4969730" y="312385"/>
+            <a:ext cx="2252540" cy="369332"/>
           </a:xfrm>
           <a:prstGeom prst="rect">
             <a:avLst/>
           </a:prstGeom>
           <a:noFill/>
-          <a:extLst>
-            <a:ext uri="{909E8E84-426E-40DD-AFC4-6F175D3DCCD1}">
-              <a14:hiddenFill xmlns:a14="http://schemas.microsoft.com/office/drawing/2010/main">
-                <a:solidFill>
-                  <a:srgbClr val="FFFFFF"/>
-                </a:solidFill>
-              </a14:hiddenFill>
-            </a:ext>
-          </a:extLst>
-        </p:spPr>
-      </p:pic>
-      <p:sp>
-        <p:nvSpPr>
-          <p:cNvPr id="3" name="TextBox 2">
-            <a:extLst>
-              <a:ext uri="{FF2B5EF4-FFF2-40B4-BE49-F238E27FC236}">
-                <a16:creationId xmlns:a16="http://schemas.microsoft.com/office/drawing/2014/main" id="{C13E3CFE-2DC2-43FD-81BF-3C82DB638FC4}"/>
+        </p:spPr>
+        <p:txBody>
+          <a:bodyPr wrap="none" rtlCol="0">
+            <a:spAutoFit/>
+          </a:bodyPr>
+          <a:lstStyle/>
+          <a:p>
+            <a:pPr marL="285750" indent="-285750">
+              <a:buFont typeface="Wingdings" panose="05000000000000000000" pitchFamily="2" charset="2"/>
+              <a:buChar char="Ø"/>
+            </a:pPr>
+            <a:r>
+              <a:rPr lang="ko-KR" altLang="en-US" dirty="0"/>
+              <a:t>프로필 정보 화면</a:t>
+            </a:r>
+          </a:p>
+        </p:txBody>
+      </p:sp>
+      <p:sp>
+        <p:nvSpPr>
+          <p:cNvPr id="16" name="TextBox 15">
+            <a:extLst>
+              <a:ext uri="{FF2B5EF4-FFF2-40B4-BE49-F238E27FC236}">
+                <a16:creationId xmlns:a16="http://schemas.microsoft.com/office/drawing/2014/main" id="{0CE573C7-AE31-4AC3-A3AA-8ECA0698F527}"/>
               </a:ext>
             </a:extLst>
           </p:cNvPr>
@@ -4038,8 +4302,8 @@
         </p:nvSpPr>
         <p:spPr>
           <a:xfrm>
-            <a:off x="5819938" y="381153"/>
-            <a:ext cx="2366032" cy="369332"/>
+            <a:off x="421559" y="6326746"/>
+            <a:ext cx="7207422" cy="338554"/>
           </a:xfrm>
           <a:prstGeom prst="rect">
             <a:avLst/>
@@ -4053,42 +4317,82 @@
           <a:lstStyle/>
           <a:p>
             <a:pPr marL="285750" indent="-285750">
-              <a:buFont typeface="Arial" panose="020B0604020202020204" pitchFamily="34" charset="0"/>
-              <a:buChar char="•"/>
+              <a:buFont typeface="Wingdings" panose="05000000000000000000" pitchFamily="2" charset="2"/>
+              <a:buChar char="ü"/>
             </a:pPr>
             <a:r>
-              <a:rPr lang="en-US" altLang="ko-KR" dirty="0"/>
-              <a:t>Gate</a:t>
-            </a:r>
-            <a:r>
-              <a:rPr lang="ko-KR" altLang="en-US" dirty="0"/>
-              <a:t> </a:t>
-            </a:r>
-            <a:r>
-              <a:rPr lang="en-US" altLang="ko-KR" dirty="0"/>
-              <a:t>/</a:t>
-            </a:r>
-            <a:r>
-              <a:rPr lang="ko-KR" altLang="en-US" dirty="0"/>
-              <a:t> </a:t>
-            </a:r>
-            <a:r>
-              <a:rPr lang="en-US" altLang="ko-KR" dirty="0"/>
-              <a:t>policy</a:t>
-            </a:r>
-            <a:r>
-              <a:rPr lang="ko-KR" altLang="en-US" dirty="0"/>
-              <a:t> 사용</a:t>
-            </a:r>
-          </a:p>
-        </p:txBody>
-      </p:sp>
-      <p:sp>
-        <p:nvSpPr>
-          <p:cNvPr id="4" name="TextBox 3">
-            <a:extLst>
-              <a:ext uri="{FF2B5EF4-FFF2-40B4-BE49-F238E27FC236}">
-                <a16:creationId xmlns:a16="http://schemas.microsoft.com/office/drawing/2014/main" id="{8B77ADBA-5059-4A32-895A-39F1CD458DD7}"/>
+              <a:rPr lang="ko-KR" altLang="en-US" sz="1600" dirty="0">
+                <a:solidFill>
+                  <a:srgbClr val="FF0000"/>
+                </a:solidFill>
+              </a:rPr>
+              <a:t>프로필사진 및 정보 관리</a:t>
+            </a:r>
+            <a:r>
+              <a:rPr lang="en-US" altLang="ko-KR" sz="1600" dirty="0">
+                <a:solidFill>
+                  <a:srgbClr val="FF0000"/>
+                </a:solidFill>
+              </a:rPr>
+              <a:t>, </a:t>
+            </a:r>
+            <a:r>
+              <a:rPr lang="ko-KR" altLang="en-US" sz="1600" dirty="0">
+                <a:solidFill>
+                  <a:srgbClr val="FF0000"/>
+                </a:solidFill>
+              </a:rPr>
+              <a:t>비밀번호 변경</a:t>
+            </a:r>
+            <a:r>
+              <a:rPr lang="en-US" altLang="ko-KR" sz="1600" dirty="0">
+                <a:solidFill>
+                  <a:srgbClr val="FF0000"/>
+                </a:solidFill>
+              </a:rPr>
+              <a:t>, </a:t>
+            </a:r>
+            <a:r>
+              <a:rPr lang="ko-KR" altLang="en-US" sz="1600" dirty="0" err="1">
+                <a:solidFill>
+                  <a:srgbClr val="FF0000"/>
+                </a:solidFill>
+              </a:rPr>
+              <a:t>로그인세션</a:t>
+            </a:r>
+            <a:r>
+              <a:rPr lang="ko-KR" altLang="en-US" sz="1600" dirty="0">
+                <a:solidFill>
+                  <a:srgbClr val="FF0000"/>
+                </a:solidFill>
+              </a:rPr>
+              <a:t> 관리</a:t>
+            </a:r>
+            <a:r>
+              <a:rPr lang="en-US" altLang="ko-KR" sz="1600" dirty="0">
+                <a:solidFill>
+                  <a:srgbClr val="FF0000"/>
+                </a:solidFill>
+              </a:rPr>
+              <a:t>, </a:t>
+            </a:r>
+            <a:r>
+              <a:rPr lang="ko-KR" altLang="en-US" sz="1600" dirty="0">
+                <a:solidFill>
+                  <a:srgbClr val="FF0000"/>
+                </a:solidFill>
+              </a:rPr>
+              <a:t>회원탈퇴 기능</a:t>
+            </a:r>
+          </a:p>
+        </p:txBody>
+      </p:sp>
+      <p:sp>
+        <p:nvSpPr>
+          <p:cNvPr id="17" name="TextBox 16">
+            <a:extLst>
+              <a:ext uri="{FF2B5EF4-FFF2-40B4-BE49-F238E27FC236}">
+                <a16:creationId xmlns:a16="http://schemas.microsoft.com/office/drawing/2014/main" id="{E585368E-AE13-4279-A10B-7E5A83A82216}"/>
               </a:ext>
             </a:extLst>
           </p:cNvPr>
@@ -4097,8 +4401,8 @@
         </p:nvSpPr>
         <p:spPr>
           <a:xfrm>
-            <a:off x="5819938" y="1706571"/>
-            <a:ext cx="934871" cy="369332"/>
+            <a:off x="421559" y="3834642"/>
+            <a:ext cx="2991525" cy="338554"/>
           </a:xfrm>
           <a:prstGeom prst="rect">
             <a:avLst/>
@@ -4112,16 +4416,66 @@
           <a:lstStyle/>
           <a:p>
             <a:pPr marL="285750" indent="-285750">
-              <a:buFont typeface="Arial" panose="020B0604020202020204" pitchFamily="34" charset="0"/>
-              <a:buChar char="•"/>
+              <a:buFont typeface="Wingdings" panose="05000000000000000000" pitchFamily="2" charset="2"/>
+              <a:buChar char="ü"/>
             </a:pPr>
             <a:r>
-              <a:rPr lang="ko-KR" altLang="en-US" dirty="0"/>
-              <a:t>인증</a:t>
-            </a:r>
-          </a:p>
-        </p:txBody>
-      </p:sp>
+              <a:rPr lang="ko-KR" altLang="en-US" sz="1600" dirty="0">
+                <a:solidFill>
+                  <a:srgbClr val="FF0000"/>
+                </a:solidFill>
+              </a:rPr>
+              <a:t>프로필 정보</a:t>
+            </a:r>
+            <a:r>
+              <a:rPr lang="en-US" altLang="ko-KR" sz="1600" dirty="0">
+                <a:solidFill>
+                  <a:srgbClr val="FF0000"/>
+                </a:solidFill>
+              </a:rPr>
+              <a:t>, </a:t>
+            </a:r>
+            <a:r>
+              <a:rPr lang="ko-KR" altLang="en-US" sz="1600" dirty="0">
+                <a:solidFill>
+                  <a:srgbClr val="FF0000"/>
+                </a:solidFill>
+              </a:rPr>
+              <a:t>로그아웃 메뉴</a:t>
+            </a:r>
+          </a:p>
+        </p:txBody>
+      </p:sp>
+    </p:spTree>
+    <p:extLst>
+      <p:ext uri="{BB962C8B-B14F-4D97-AF65-F5344CB8AC3E}">
+        <p14:creationId xmlns:p14="http://schemas.microsoft.com/office/powerpoint/2010/main" val="884623139"/>
+      </p:ext>
+    </p:extLst>
+  </p:cSld>
+  <p:clrMapOvr>
+    <a:masterClrMapping/>
+  </p:clrMapOvr>
+</p:sld>
+</file>
+
+<file path=ppt/slides/slide5.xml><?xml version="1.0" encoding="utf-8"?>
+<p:sld xmlns:a="http://schemas.openxmlformats.org/drawingml/2006/main" xmlns:r="http://schemas.openxmlformats.org/officeDocument/2006/relationships" xmlns:p="http://schemas.openxmlformats.org/presentationml/2006/main">
+  <p:cSld>
+    <p:spTree>
+      <p:nvGrpSpPr>
+        <p:cNvPr id="1" name=""/>
+        <p:cNvGrpSpPr/>
+        <p:nvPr/>
+      </p:nvGrpSpPr>
+      <p:grpSpPr>
+        <a:xfrm>
+          <a:off x="0" y="0"/>
+          <a:ext cx="0" cy="0"/>
+          <a:chOff x="0" y="0"/>
+          <a:chExt cx="0" cy="0"/>
+        </a:xfrm>
+      </p:grpSpPr>
       <p:sp>
         <p:nvSpPr>
           <p:cNvPr id="5" name="TextBox 4">
@@ -4137,7 +4491,7 @@
         <p:spPr>
           <a:xfrm>
             <a:off x="189988" y="214139"/>
-            <a:ext cx="2582758" cy="461665"/>
+            <a:ext cx="1832553" cy="461665"/>
           </a:xfrm>
           <a:prstGeom prst="rect">
             <a:avLst/>
@@ -4152,15 +4506,605 @@
           <a:p>
             <a:r>
               <a:rPr lang="ko-KR" altLang="en-US" sz="2400" b="1" dirty="0"/>
-              <a:t>사용자 인증</a:t>
-            </a:r>
-            <a:r>
-              <a:rPr lang="en-US" altLang="ko-KR" sz="2400" b="1" dirty="0"/>
+              <a:t>사용자 권한</a:t>
+            </a:r>
+          </a:p>
+        </p:txBody>
+      </p:sp>
+      <p:pic>
+        <p:nvPicPr>
+          <p:cNvPr id="6" name="그림 5">
+            <a:extLst>
+              <a:ext uri="{FF2B5EF4-FFF2-40B4-BE49-F238E27FC236}">
+                <a16:creationId xmlns:a16="http://schemas.microsoft.com/office/drawing/2014/main" id="{264DB0AD-4024-4D4A-A9AD-9ABA8C616C14}"/>
+              </a:ext>
+            </a:extLst>
+          </p:cNvPr>
+          <p:cNvPicPr>
+            <a:picLocks noChangeAspect="1"/>
+          </p:cNvPicPr>
+          <p:nvPr/>
+        </p:nvPicPr>
+        <p:blipFill>
+          <a:blip r:embed="rId2"/>
+          <a:stretch>
+            <a:fillRect/>
+          </a:stretch>
+        </p:blipFill>
+        <p:spPr>
+          <a:xfrm>
+            <a:off x="1073985" y="2163264"/>
+            <a:ext cx="10044030" cy="3353091"/>
+          </a:xfrm>
+          <a:prstGeom prst="rect">
+            <a:avLst/>
+          </a:prstGeom>
+        </p:spPr>
+      </p:pic>
+      <p:sp>
+        <p:nvSpPr>
+          <p:cNvPr id="8" name="직사각형 7">
+            <a:extLst>
+              <a:ext uri="{FF2B5EF4-FFF2-40B4-BE49-F238E27FC236}">
+                <a16:creationId xmlns:a16="http://schemas.microsoft.com/office/drawing/2014/main" id="{2EC6616B-CB5A-4A73-A2A4-1B2F93EE9B4B}"/>
+              </a:ext>
+            </a:extLst>
+          </p:cNvPr>
+          <p:cNvSpPr/>
+          <p:nvPr/>
+        </p:nvSpPr>
+        <p:spPr>
+          <a:xfrm>
+            <a:off x="1073985" y="5099637"/>
+            <a:ext cx="9587345" cy="304800"/>
+          </a:xfrm>
+          <a:prstGeom prst="rect">
+            <a:avLst/>
+          </a:prstGeom>
+          <a:noFill/>
+          <a:ln w="38100">
+            <a:solidFill>
+              <a:srgbClr val="FF0000"/>
+            </a:solidFill>
+          </a:ln>
+        </p:spPr>
+        <p:style>
+          <a:lnRef idx="2">
+            <a:schemeClr val="accent1">
+              <a:shade val="50000"/>
+            </a:schemeClr>
+          </a:lnRef>
+          <a:fillRef idx="1">
+            <a:schemeClr val="accent1"/>
+          </a:fillRef>
+          <a:effectRef idx="0">
+            <a:schemeClr val="accent1"/>
+          </a:effectRef>
+          <a:fontRef idx="minor">
+            <a:schemeClr val="lt1"/>
+          </a:fontRef>
+        </p:style>
+        <p:txBody>
+          <a:bodyPr rtlCol="0" anchor="ctr"/>
+          <a:lstStyle/>
+          <a:p>
+            <a:pPr algn="ctr"/>
+            <a:endParaRPr lang="ko-KR" altLang="en-US"/>
+          </a:p>
+        </p:txBody>
+      </p:sp>
+      <p:sp>
+        <p:nvSpPr>
+          <p:cNvPr id="11" name="TextBox 10">
+            <a:extLst>
+              <a:ext uri="{FF2B5EF4-FFF2-40B4-BE49-F238E27FC236}">
+                <a16:creationId xmlns:a16="http://schemas.microsoft.com/office/drawing/2014/main" id="{24AA4D74-242C-4AC3-88ED-26260887491C}"/>
+              </a:ext>
+            </a:extLst>
+          </p:cNvPr>
+          <p:cNvSpPr txBox="1"/>
+          <p:nvPr/>
+        </p:nvSpPr>
+        <p:spPr>
+          <a:xfrm>
+            <a:off x="546496" y="1710981"/>
+            <a:ext cx="1858201" cy="369332"/>
+          </a:xfrm>
+          <a:prstGeom prst="rect">
+            <a:avLst/>
+          </a:prstGeom>
+          <a:noFill/>
+        </p:spPr>
+        <p:txBody>
+          <a:bodyPr wrap="none" rtlCol="0">
+            <a:spAutoFit/>
+          </a:bodyPr>
+          <a:lstStyle/>
+          <a:p>
+            <a:pPr marL="285750" indent="-285750">
+              <a:buFont typeface="Arial" panose="020B0604020202020204" pitchFamily="34" charset="0"/>
+              <a:buChar char="•"/>
+            </a:pPr>
+            <a:r>
+              <a:rPr lang="ko-KR" altLang="en-US" dirty="0"/>
+              <a:t>데이터베이스</a:t>
+            </a:r>
+          </a:p>
+        </p:txBody>
+      </p:sp>
+      <p:sp>
+        <p:nvSpPr>
+          <p:cNvPr id="13" name="TextBox 12">
+            <a:extLst>
+              <a:ext uri="{FF2B5EF4-FFF2-40B4-BE49-F238E27FC236}">
+                <a16:creationId xmlns:a16="http://schemas.microsoft.com/office/drawing/2014/main" id="{53AF07B4-577B-40F0-B759-36AA829E6EAD}"/>
+              </a:ext>
+            </a:extLst>
+          </p:cNvPr>
+          <p:cNvSpPr txBox="1"/>
+          <p:nvPr/>
+        </p:nvSpPr>
+        <p:spPr>
+          <a:xfrm>
+            <a:off x="1018131" y="5830516"/>
+            <a:ext cx="4312399" cy="646331"/>
+          </a:xfrm>
+          <a:prstGeom prst="rect">
+            <a:avLst/>
+          </a:prstGeom>
+          <a:noFill/>
+        </p:spPr>
+        <p:txBody>
+          <a:bodyPr wrap="none" rtlCol="0">
+            <a:spAutoFit/>
+          </a:bodyPr>
+          <a:lstStyle/>
+          <a:p>
+            <a:pPr marL="285750" indent="-285750">
+              <a:buFont typeface="Wingdings" panose="05000000000000000000" pitchFamily="2" charset="2"/>
+              <a:buChar char="Ø"/>
+            </a:pPr>
+            <a:r>
+              <a:rPr lang="en-US" altLang="ko-KR" dirty="0"/>
+              <a:t>User</a:t>
+            </a:r>
+            <a:r>
+              <a:rPr lang="ko-KR" altLang="en-US" dirty="0"/>
+              <a:t> 테이블에 </a:t>
+            </a:r>
+            <a:r>
+              <a:rPr lang="en-US" altLang="ko-KR" dirty="0"/>
+              <a:t>role </a:t>
+            </a:r>
+            <a:r>
+              <a:rPr lang="ko-KR" altLang="en-US" dirty="0"/>
+              <a:t>컬럼 추가</a:t>
+            </a:r>
+            <a:endParaRPr lang="en-US" altLang="ko-KR" dirty="0"/>
+          </a:p>
+          <a:p>
+            <a:pPr marL="285750" indent="-285750">
+              <a:buFont typeface="Wingdings" panose="05000000000000000000" pitchFamily="2" charset="2"/>
+              <a:buChar char="Ø"/>
+            </a:pPr>
+            <a:r>
+              <a:rPr lang="en-US" altLang="ko-KR" dirty="0"/>
+              <a:t>user / manager / admin </a:t>
+            </a:r>
+            <a:r>
+              <a:rPr lang="ko-KR" altLang="en-US" dirty="0"/>
+              <a:t>로 권한부여</a:t>
+            </a:r>
+          </a:p>
+        </p:txBody>
+      </p:sp>
+      <p:sp>
+        <p:nvSpPr>
+          <p:cNvPr id="14" name="TextBox 13">
+            <a:extLst>
+              <a:ext uri="{FF2B5EF4-FFF2-40B4-BE49-F238E27FC236}">
+                <a16:creationId xmlns:a16="http://schemas.microsoft.com/office/drawing/2014/main" id="{40FBD660-2F86-4960-BD9E-F9AD37C53AC7}"/>
+              </a:ext>
+            </a:extLst>
+          </p:cNvPr>
+          <p:cNvSpPr txBox="1"/>
+          <p:nvPr/>
+        </p:nvSpPr>
+        <p:spPr>
+          <a:xfrm>
+            <a:off x="546496" y="880839"/>
+            <a:ext cx="4175951" cy="369332"/>
+          </a:xfrm>
+          <a:prstGeom prst="rect">
+            <a:avLst/>
+          </a:prstGeom>
+          <a:noFill/>
+        </p:spPr>
+        <p:txBody>
+          <a:bodyPr wrap="none" rtlCol="0">
+            <a:spAutoFit/>
+          </a:bodyPr>
+          <a:lstStyle/>
+          <a:p>
+            <a:pPr marL="285750" indent="-285750">
+              <a:buFont typeface="Arial" panose="020B0604020202020204" pitchFamily="34" charset="0"/>
+              <a:buChar char="•"/>
+            </a:pPr>
+            <a:r>
+              <a:rPr lang="en-US" altLang="ko-KR" dirty="0"/>
+              <a:t>Laravel</a:t>
+            </a:r>
+            <a:r>
+              <a:rPr lang="ko-KR" altLang="en-US" dirty="0"/>
+              <a:t>에</a:t>
+            </a:r>
+            <a:r>
+              <a:rPr lang="en-US" altLang="ko-KR" dirty="0"/>
+              <a:t> </a:t>
+            </a:r>
+            <a:r>
+              <a:rPr lang="ko-KR" altLang="en-US" dirty="0"/>
+              <a:t>내장된 </a:t>
+            </a:r>
+            <a:r>
+              <a:rPr lang="en-US" altLang="ko-KR" dirty="0"/>
+              <a:t>Gate</a:t>
+            </a:r>
+            <a:r>
+              <a:rPr lang="ko-KR" altLang="en-US" dirty="0"/>
+              <a:t> </a:t>
+            </a:r>
+            <a:r>
+              <a:rPr lang="en-US" altLang="ko-KR" dirty="0"/>
               <a:t>/</a:t>
             </a:r>
             <a:r>
+              <a:rPr lang="ko-KR" altLang="en-US" dirty="0"/>
+              <a:t> </a:t>
+            </a:r>
+            <a:r>
+              <a:rPr lang="en-US" altLang="ko-KR" dirty="0"/>
+              <a:t>policy</a:t>
+            </a:r>
+            <a:r>
+              <a:rPr lang="ko-KR" altLang="en-US" dirty="0"/>
+              <a:t> 사용</a:t>
+            </a:r>
+          </a:p>
+        </p:txBody>
+      </p:sp>
+    </p:spTree>
+    <p:extLst>
+      <p:ext uri="{BB962C8B-B14F-4D97-AF65-F5344CB8AC3E}">
+        <p14:creationId xmlns:p14="http://schemas.microsoft.com/office/powerpoint/2010/main" val="1634000792"/>
+      </p:ext>
+    </p:extLst>
+  </p:cSld>
+  <p:clrMapOvr>
+    <a:masterClrMapping/>
+  </p:clrMapOvr>
+</p:sld>
+</file>
+
+<file path=ppt/slides/slide6.xml><?xml version="1.0" encoding="utf-8"?>
+<p:sld xmlns:a="http://schemas.openxmlformats.org/drawingml/2006/main" xmlns:r="http://schemas.openxmlformats.org/officeDocument/2006/relationships" xmlns:p="http://schemas.openxmlformats.org/presentationml/2006/main">
+  <p:cSld>
+    <p:spTree>
+      <p:nvGrpSpPr>
+        <p:cNvPr id="1" name=""/>
+        <p:cNvGrpSpPr/>
+        <p:nvPr/>
+      </p:nvGrpSpPr>
+      <p:grpSpPr>
+        <a:xfrm>
+          <a:off x="0" y="0"/>
+          <a:ext cx="0" cy="0"/>
+          <a:chOff x="0" y="0"/>
+          <a:chExt cx="0" cy="0"/>
+        </a:xfrm>
+      </p:grpSpPr>
+      <p:sp>
+        <p:nvSpPr>
+          <p:cNvPr id="5" name="TextBox 4">
+            <a:extLst>
+              <a:ext uri="{FF2B5EF4-FFF2-40B4-BE49-F238E27FC236}">
+                <a16:creationId xmlns:a16="http://schemas.microsoft.com/office/drawing/2014/main" id="{7BB3082B-E9CC-48AB-8F69-5AFCA22C86F9}"/>
+              </a:ext>
+            </a:extLst>
+          </p:cNvPr>
+          <p:cNvSpPr txBox="1"/>
+          <p:nvPr/>
+        </p:nvSpPr>
+        <p:spPr>
+          <a:xfrm>
+            <a:off x="189988" y="214139"/>
+            <a:ext cx="1832553" cy="461665"/>
+          </a:xfrm>
+          <a:prstGeom prst="rect">
+            <a:avLst/>
+          </a:prstGeom>
+          <a:noFill/>
+        </p:spPr>
+        <p:txBody>
+          <a:bodyPr wrap="none" rtlCol="0">
+            <a:spAutoFit/>
+          </a:bodyPr>
+          <a:lstStyle/>
+          <a:p>
+            <a:r>
               <a:rPr lang="ko-KR" altLang="en-US" sz="2400" b="1" dirty="0"/>
-              <a:t>권한</a:t>
+              <a:t>사용자 권한</a:t>
+            </a:r>
+          </a:p>
+        </p:txBody>
+      </p:sp>
+      <p:pic>
+        <p:nvPicPr>
+          <p:cNvPr id="7" name="그림 6">
+            <a:extLst>
+              <a:ext uri="{FF2B5EF4-FFF2-40B4-BE49-F238E27FC236}">
+                <a16:creationId xmlns:a16="http://schemas.microsoft.com/office/drawing/2014/main" id="{BDA1BB1D-F3CE-4EDC-9DCE-0CD65C6549A4}"/>
+              </a:ext>
+            </a:extLst>
+          </p:cNvPr>
+          <p:cNvPicPr>
+            <a:picLocks noChangeAspect="1"/>
+          </p:cNvPicPr>
+          <p:nvPr/>
+        </p:nvPicPr>
+        <p:blipFill>
+          <a:blip r:embed="rId2"/>
+          <a:stretch>
+            <a:fillRect/>
+          </a:stretch>
+        </p:blipFill>
+        <p:spPr>
+          <a:xfrm>
+            <a:off x="607010" y="1321525"/>
+            <a:ext cx="4798216" cy="3041873"/>
+          </a:xfrm>
+          <a:prstGeom prst="rect">
+            <a:avLst/>
+          </a:prstGeom>
+          <a:ln>
+            <a:solidFill>
+              <a:schemeClr val="bg1">
+                <a:lumMod val="75000"/>
+              </a:schemeClr>
+            </a:solidFill>
+          </a:ln>
+        </p:spPr>
+      </p:pic>
+      <p:pic>
+        <p:nvPicPr>
+          <p:cNvPr id="9" name="그림 8">
+            <a:extLst>
+              <a:ext uri="{FF2B5EF4-FFF2-40B4-BE49-F238E27FC236}">
+                <a16:creationId xmlns:a16="http://schemas.microsoft.com/office/drawing/2014/main" id="{A7275506-2EAB-42AF-8BA3-68A33E9D06D2}"/>
+              </a:ext>
+            </a:extLst>
+          </p:cNvPr>
+          <p:cNvPicPr>
+            <a:picLocks noChangeAspect="1"/>
+          </p:cNvPicPr>
+          <p:nvPr/>
+        </p:nvPicPr>
+        <p:blipFill>
+          <a:blip r:embed="rId3"/>
+          <a:stretch>
+            <a:fillRect/>
+          </a:stretch>
+        </p:blipFill>
+        <p:spPr>
+          <a:xfrm>
+            <a:off x="6208877" y="1321524"/>
+            <a:ext cx="4798216" cy="3065412"/>
+          </a:xfrm>
+          <a:prstGeom prst="rect">
+            <a:avLst/>
+          </a:prstGeom>
+          <a:ln>
+            <a:solidFill>
+              <a:schemeClr val="bg1">
+                <a:lumMod val="75000"/>
+              </a:schemeClr>
+            </a:solidFill>
+          </a:ln>
+        </p:spPr>
+      </p:pic>
+      <p:sp>
+        <p:nvSpPr>
+          <p:cNvPr id="10" name="직사각형 9">
+            <a:extLst>
+              <a:ext uri="{FF2B5EF4-FFF2-40B4-BE49-F238E27FC236}">
+                <a16:creationId xmlns:a16="http://schemas.microsoft.com/office/drawing/2014/main" id="{692C82D6-E9A5-46EB-9BFA-1CCD16005820}"/>
+              </a:ext>
+            </a:extLst>
+          </p:cNvPr>
+          <p:cNvSpPr/>
+          <p:nvPr/>
+        </p:nvSpPr>
+        <p:spPr>
+          <a:xfrm>
+            <a:off x="1301258" y="1321524"/>
+            <a:ext cx="360218" cy="359493"/>
+          </a:xfrm>
+          <a:prstGeom prst="rect">
+            <a:avLst/>
+          </a:prstGeom>
+          <a:noFill/>
+          <a:ln w="38100">
+            <a:solidFill>
+              <a:srgbClr val="FF0000"/>
+            </a:solidFill>
+          </a:ln>
+        </p:spPr>
+        <p:style>
+          <a:lnRef idx="2">
+            <a:schemeClr val="accent1">
+              <a:shade val="50000"/>
+            </a:schemeClr>
+          </a:lnRef>
+          <a:fillRef idx="1">
+            <a:schemeClr val="accent1"/>
+          </a:fillRef>
+          <a:effectRef idx="0">
+            <a:schemeClr val="accent1"/>
+          </a:effectRef>
+          <a:fontRef idx="minor">
+            <a:schemeClr val="lt1"/>
+          </a:fontRef>
+        </p:style>
+        <p:txBody>
+          <a:bodyPr rtlCol="0" anchor="ctr"/>
+          <a:lstStyle/>
+          <a:p>
+            <a:pPr algn="ctr"/>
+            <a:endParaRPr lang="ko-KR" altLang="en-US"/>
+          </a:p>
+        </p:txBody>
+      </p:sp>
+      <p:sp>
+        <p:nvSpPr>
+          <p:cNvPr id="11" name="TextBox 10">
+            <a:extLst>
+              <a:ext uri="{FF2B5EF4-FFF2-40B4-BE49-F238E27FC236}">
+                <a16:creationId xmlns:a16="http://schemas.microsoft.com/office/drawing/2014/main" id="{F7E113D1-091E-49AE-8317-B65065B38579}"/>
+              </a:ext>
+            </a:extLst>
+          </p:cNvPr>
+          <p:cNvSpPr txBox="1"/>
+          <p:nvPr/>
+        </p:nvSpPr>
+        <p:spPr>
+          <a:xfrm>
+            <a:off x="1481367" y="4824453"/>
+            <a:ext cx="2244525" cy="369332"/>
+          </a:xfrm>
+          <a:prstGeom prst="rect">
+            <a:avLst/>
+          </a:prstGeom>
+          <a:noFill/>
+        </p:spPr>
+        <p:txBody>
+          <a:bodyPr wrap="none" rtlCol="0">
+            <a:spAutoFit/>
+          </a:bodyPr>
+          <a:lstStyle/>
+          <a:p>
+            <a:pPr marL="285750" indent="-285750">
+              <a:buFont typeface="Wingdings" panose="05000000000000000000" pitchFamily="2" charset="2"/>
+              <a:buChar char="Ø"/>
+            </a:pPr>
+            <a:r>
+              <a:rPr lang="en-US" altLang="ko-KR" dirty="0"/>
+              <a:t>Admin </a:t>
+            </a:r>
+            <a:r>
+              <a:rPr lang="ko-KR" altLang="en-US" dirty="0"/>
+              <a:t>계정 화면</a:t>
+            </a:r>
+          </a:p>
+        </p:txBody>
+      </p:sp>
+      <p:sp>
+        <p:nvSpPr>
+          <p:cNvPr id="12" name="TextBox 11">
+            <a:extLst>
+              <a:ext uri="{FF2B5EF4-FFF2-40B4-BE49-F238E27FC236}">
+                <a16:creationId xmlns:a16="http://schemas.microsoft.com/office/drawing/2014/main" id="{64C81686-2A2F-4188-B33F-0DB33F44AB42}"/>
+              </a:ext>
+            </a:extLst>
+          </p:cNvPr>
+          <p:cNvSpPr txBox="1"/>
+          <p:nvPr/>
+        </p:nvSpPr>
+        <p:spPr>
+          <a:xfrm>
+            <a:off x="7452851" y="4824453"/>
+            <a:ext cx="2026517" cy="369332"/>
+          </a:xfrm>
+          <a:prstGeom prst="rect">
+            <a:avLst/>
+          </a:prstGeom>
+          <a:noFill/>
+        </p:spPr>
+        <p:txBody>
+          <a:bodyPr wrap="none" rtlCol="0">
+            <a:spAutoFit/>
+          </a:bodyPr>
+          <a:lstStyle/>
+          <a:p>
+            <a:pPr marL="285750" indent="-285750">
+              <a:buFont typeface="Wingdings" panose="05000000000000000000" pitchFamily="2" charset="2"/>
+              <a:buChar char="Ø"/>
+            </a:pPr>
+            <a:r>
+              <a:rPr lang="en-US" altLang="ko-KR" dirty="0"/>
+              <a:t>User </a:t>
+            </a:r>
+            <a:r>
+              <a:rPr lang="ko-KR" altLang="en-US" dirty="0"/>
+              <a:t>계정 화면</a:t>
+            </a:r>
+          </a:p>
+        </p:txBody>
+      </p:sp>
+      <p:sp>
+        <p:nvSpPr>
+          <p:cNvPr id="13" name="TextBox 12">
+            <a:extLst>
+              <a:ext uri="{FF2B5EF4-FFF2-40B4-BE49-F238E27FC236}">
+                <a16:creationId xmlns:a16="http://schemas.microsoft.com/office/drawing/2014/main" id="{909272FA-B4E9-4190-8FE7-69A13BB84513}"/>
+              </a:ext>
+            </a:extLst>
+          </p:cNvPr>
+          <p:cNvSpPr txBox="1"/>
+          <p:nvPr/>
+        </p:nvSpPr>
+        <p:spPr>
+          <a:xfrm>
+            <a:off x="546496" y="5899575"/>
+            <a:ext cx="4976042" cy="338554"/>
+          </a:xfrm>
+          <a:prstGeom prst="rect">
+            <a:avLst/>
+          </a:prstGeom>
+          <a:noFill/>
+        </p:spPr>
+        <p:txBody>
+          <a:bodyPr wrap="none" rtlCol="0">
+            <a:spAutoFit/>
+          </a:bodyPr>
+          <a:lstStyle/>
+          <a:p>
+            <a:pPr marL="285750" indent="-285750">
+              <a:buFont typeface="Wingdings" panose="05000000000000000000" pitchFamily="2" charset="2"/>
+              <a:buChar char="ü"/>
+            </a:pPr>
+            <a:r>
+              <a:rPr lang="en-US" altLang="ko-KR" sz="1600" dirty="0">
+                <a:solidFill>
+                  <a:srgbClr val="FF0000"/>
+                </a:solidFill>
+              </a:rPr>
+              <a:t>Admin </a:t>
+            </a:r>
+            <a:r>
+              <a:rPr lang="ko-KR" altLang="en-US" sz="1600" dirty="0">
+                <a:solidFill>
+                  <a:srgbClr val="FF0000"/>
+                </a:solidFill>
+              </a:rPr>
+              <a:t>계정에서만 관리메뉴가 보이며 접근 가능</a:t>
+            </a:r>
+            <a:r>
+              <a:rPr lang="en-US" altLang="ko-KR" sz="1600" dirty="0">
+                <a:solidFill>
+                  <a:srgbClr val="FF0000"/>
+                </a:solidFill>
+              </a:rPr>
+              <a:t>.</a:t>
             </a:r>
           </a:p>
         </p:txBody>
@@ -4169,6 +5113,108 @@
     <p:extLst>
       <p:ext uri="{BB962C8B-B14F-4D97-AF65-F5344CB8AC3E}">
         <p14:creationId xmlns:p14="http://schemas.microsoft.com/office/powerpoint/2010/main" val="2414208181"/>
+      </p:ext>
+    </p:extLst>
+  </p:cSld>
+  <p:clrMapOvr>
+    <a:masterClrMapping/>
+  </p:clrMapOvr>
+</p:sld>
+</file>
+
+<file path=ppt/slides/slide7.xml><?xml version="1.0" encoding="utf-8"?>
+<p:sld xmlns:a="http://schemas.openxmlformats.org/drawingml/2006/main" xmlns:r="http://schemas.openxmlformats.org/officeDocument/2006/relationships" xmlns:p="http://schemas.openxmlformats.org/presentationml/2006/main">
+  <p:cSld>
+    <p:spTree>
+      <p:nvGrpSpPr>
+        <p:cNvPr id="1" name=""/>
+        <p:cNvGrpSpPr/>
+        <p:nvPr/>
+      </p:nvGrpSpPr>
+      <p:grpSpPr>
+        <a:xfrm>
+          <a:off x="0" y="0"/>
+          <a:ext cx="0" cy="0"/>
+          <a:chOff x="0" y="0"/>
+          <a:chExt cx="0" cy="0"/>
+        </a:xfrm>
+      </p:grpSpPr>
+      <p:sp>
+        <p:nvSpPr>
+          <p:cNvPr id="5" name="TextBox 4">
+            <a:extLst>
+              <a:ext uri="{FF2B5EF4-FFF2-40B4-BE49-F238E27FC236}">
+                <a16:creationId xmlns:a16="http://schemas.microsoft.com/office/drawing/2014/main" id="{7BB3082B-E9CC-48AB-8F69-5AFCA22C86F9}"/>
+              </a:ext>
+            </a:extLst>
+          </p:cNvPr>
+          <p:cNvSpPr txBox="1"/>
+          <p:nvPr/>
+        </p:nvSpPr>
+        <p:spPr>
+          <a:xfrm>
+            <a:off x="189988" y="214139"/>
+            <a:ext cx="1832553" cy="461665"/>
+          </a:xfrm>
+          <a:prstGeom prst="rect">
+            <a:avLst/>
+          </a:prstGeom>
+          <a:noFill/>
+        </p:spPr>
+        <p:txBody>
+          <a:bodyPr wrap="none" rtlCol="0">
+            <a:spAutoFit/>
+          </a:bodyPr>
+          <a:lstStyle/>
+          <a:p>
+            <a:r>
+              <a:rPr lang="ko-KR" altLang="en-US" sz="2400" b="1" dirty="0"/>
+              <a:t>사용자 권한</a:t>
+            </a:r>
+          </a:p>
+        </p:txBody>
+      </p:sp>
+      <p:pic>
+        <p:nvPicPr>
+          <p:cNvPr id="8" name="그림 7">
+            <a:extLst>
+              <a:ext uri="{FF2B5EF4-FFF2-40B4-BE49-F238E27FC236}">
+                <a16:creationId xmlns:a16="http://schemas.microsoft.com/office/drawing/2014/main" id="{4CB991D3-054D-49AD-8192-02D767BE2683}"/>
+              </a:ext>
+            </a:extLst>
+          </p:cNvPr>
+          <p:cNvPicPr>
+            <a:picLocks noChangeAspect="1"/>
+          </p:cNvPicPr>
+          <p:nvPr/>
+        </p:nvPicPr>
+        <p:blipFill>
+          <a:blip r:embed="rId2"/>
+          <a:stretch>
+            <a:fillRect/>
+          </a:stretch>
+        </p:blipFill>
+        <p:spPr>
+          <a:xfrm>
+            <a:off x="1649344" y="1504419"/>
+            <a:ext cx="8893311" cy="4237087"/>
+          </a:xfrm>
+          <a:prstGeom prst="rect">
+            <a:avLst/>
+          </a:prstGeom>
+          <a:ln>
+            <a:solidFill>
+              <a:schemeClr val="bg1">
+                <a:lumMod val="75000"/>
+              </a:schemeClr>
+            </a:solidFill>
+          </a:ln>
+        </p:spPr>
+      </p:pic>
+    </p:spTree>
+    <p:extLst>
+      <p:ext uri="{BB962C8B-B14F-4D97-AF65-F5344CB8AC3E}">
+        <p14:creationId xmlns:p14="http://schemas.microsoft.com/office/powerpoint/2010/main" val="1769223070"/>
       </p:ext>
     </p:extLst>
   </p:cSld>
